--- a/Rapport_Stage_GroupeB_PowerPoint.pptx
+++ b/Rapport_Stage_GroupeB_PowerPoint.pptx
@@ -20,6 +20,7 @@
     <p:sldId id="265" r:id="rId15"/>
     <p:sldId id="266" r:id="rId16"/>
     <p:sldId id="267" r:id="rId17"/>
+    <p:sldId id="268" r:id="rId18"/>
   </p:sldIdLst>
   <p:sldSz cy="5143500" cx="9144000"/>
   <p:notesSz cx="6858000" cy="9144000"/>
@@ -801,7 +802,7 @@
   <p:cSld>
     <p:spTree>
       <p:nvGrpSpPr>
-        <p:cNvPr id="115" name="Shape 115"/>
+        <p:cNvPr id="125" name="Shape 125"/>
         <p:cNvGrpSpPr/>
         <p:nvPr/>
       </p:nvGrpSpPr>
@@ -815,7 +816,7 @@
       </p:grpSpPr>
       <p:sp>
         <p:nvSpPr>
-          <p:cNvPr id="116" name="Google Shape;116;g6d7e1ebef3_2_10:notes"/>
+          <p:cNvPr id="126" name="Google Shape;126;g6d7e1ebef3_2_18:notes"/>
           <p:cNvSpPr/>
           <p:nvPr>
             <p:ph idx="2" type="sldImg"/>
@@ -850,7 +851,7 @@
       </p:sp>
       <p:sp>
         <p:nvSpPr>
-          <p:cNvPr id="117" name="Google Shape;117;g6d7e1ebef3_2_10:notes"/>
+          <p:cNvPr id="127" name="Google Shape;127;g6d7e1ebef3_2_18:notes"/>
           <p:cNvSpPr txBox="1"/>
           <p:nvPr>
             <p:ph idx="1" type="body"/>
@@ -900,7 +901,7 @@
   <p:cSld>
     <p:spTree>
       <p:nvGrpSpPr>
-        <p:cNvPr id="121" name="Shape 121"/>
+        <p:cNvPr id="132" name="Shape 132"/>
         <p:cNvGrpSpPr/>
         <p:nvPr/>
       </p:nvGrpSpPr>
@@ -914,7 +915,7 @@
       </p:grpSpPr>
       <p:sp>
         <p:nvSpPr>
-          <p:cNvPr id="122" name="Google Shape;122;g6d7e1ebef3_2_40:notes"/>
+          <p:cNvPr id="133" name="Google Shape;133;g6d7e1ebef3_2_26:notes"/>
           <p:cNvSpPr/>
           <p:nvPr>
             <p:ph idx="2" type="sldImg"/>
@@ -949,7 +950,7 @@
       </p:sp>
       <p:sp>
         <p:nvSpPr>
-          <p:cNvPr id="123" name="Google Shape;123;g6d7e1ebef3_2_40:notes"/>
+          <p:cNvPr id="134" name="Google Shape;134;g6d7e1ebef3_2_26:notes"/>
           <p:cNvSpPr txBox="1"/>
           <p:nvPr>
             <p:ph idx="1" type="body"/>
@@ -999,7 +1000,7 @@
   <p:cSld>
     <p:spTree>
       <p:nvGrpSpPr>
-        <p:cNvPr id="127" name="Shape 127"/>
+        <p:cNvPr id="139" name="Shape 139"/>
         <p:cNvGrpSpPr/>
         <p:nvPr/>
       </p:nvGrpSpPr>
@@ -1013,7 +1014,7 @@
       </p:grpSpPr>
       <p:sp>
         <p:nvSpPr>
-          <p:cNvPr id="128" name="Google Shape;128;g6d7e1ebef3_2_46:notes"/>
+          <p:cNvPr id="140" name="Google Shape;140;g6d7e1ebef3_2_10:notes"/>
           <p:cNvSpPr/>
           <p:nvPr>
             <p:ph idx="2" type="sldImg"/>
@@ -1048,7 +1049,106 @@
       </p:sp>
       <p:sp>
         <p:nvSpPr>
-          <p:cNvPr id="129" name="Google Shape;129;g6d7e1ebef3_2_46:notes"/>
+          <p:cNvPr id="141" name="Google Shape;141;g6d7e1ebef3_2_10:notes"/>
+          <p:cNvSpPr txBox="1"/>
+          <p:nvPr>
+            <p:ph idx="1" type="body"/>
+          </p:nvPr>
+        </p:nvSpPr>
+        <p:spPr>
+          <a:xfrm>
+            <a:off x="685800" y="4343400"/>
+            <a:ext cx="5486400" cy="4114800"/>
+          </a:xfrm>
+          <a:prstGeom prst="rect">
+            <a:avLst/>
+          </a:prstGeom>
+        </p:spPr>
+        <p:txBody>
+          <a:bodyPr anchorCtr="0" anchor="t" bIns="91425" lIns="91425" spcFirstLastPara="1" rIns="91425" wrap="square" tIns="91425">
+            <a:noAutofit/>
+          </a:bodyPr>
+          <a:lstStyle/>
+          <a:p>
+            <a:pPr indent="0" lvl="0" marL="0" rtl="0" algn="l">
+              <a:spcBef>
+                <a:spcPts val="0"/>
+              </a:spcBef>
+              <a:spcAft>
+                <a:spcPts val="0"/>
+              </a:spcAft>
+              <a:buNone/>
+            </a:pPr>
+            <a:r>
+              <a:t/>
+            </a:r>
+            <a:endParaRPr/>
+          </a:p>
+        </p:txBody>
+      </p:sp>
+    </p:spTree>
+  </p:cSld>
+  <p:clrMapOvr>
+    <a:masterClrMapping/>
+  </p:clrMapOvr>
+</p:notes>
+</file>
+
+<file path=ppt/notesSlides/notesSlide13.xml><?xml version="1.0" encoding="utf-8"?>
+<p:notes xmlns:a="http://schemas.openxmlformats.org/drawingml/2006/main" xmlns:r="http://schemas.openxmlformats.org/officeDocument/2006/relationships" xmlns:mc="http://schemas.openxmlformats.org/markup-compatibility/2006" xmlns:mv="urn:schemas-microsoft-com:mac:vml" xmlns:p="http://schemas.openxmlformats.org/presentationml/2006/main" xmlns:c="http://schemas.openxmlformats.org/drawingml/2006/chart" xmlns:dgm="http://schemas.openxmlformats.org/drawingml/2006/diagram" xmlns:o="urn:schemas-microsoft-com:office:office" xmlns:v="urn:schemas-microsoft-com:vml" xmlns:pvml="urn:schemas-microsoft-com:office:powerpoint" xmlns:com="http://schemas.openxmlformats.org/drawingml/2006/compatibility" xmlns:p14="http://schemas.microsoft.com/office/powerpoint/2010/main" xmlns:p15="http://schemas.microsoft.com/office/powerpoint/2012/main" showMasterPhAnim="0" showMasterSp="0">
+  <p:cSld>
+    <p:spTree>
+      <p:nvGrpSpPr>
+        <p:cNvPr id="146" name="Shape 146"/>
+        <p:cNvGrpSpPr/>
+        <p:nvPr/>
+      </p:nvGrpSpPr>
+      <p:grpSpPr>
+        <a:xfrm>
+          <a:off x="0" y="0"/>
+          <a:ext cx="0" cy="0"/>
+          <a:chOff x="0" y="0"/>
+          <a:chExt cx="0" cy="0"/>
+        </a:xfrm>
+      </p:grpSpPr>
+      <p:sp>
+        <p:nvSpPr>
+          <p:cNvPr id="147" name="Google Shape;147;g6d7e1ebef3_2_46:notes"/>
+          <p:cNvSpPr/>
+          <p:nvPr>
+            <p:ph idx="2" type="sldImg"/>
+          </p:nvPr>
+        </p:nvSpPr>
+        <p:spPr>
+          <a:xfrm>
+            <a:off x="381300" y="685800"/>
+            <a:ext cx="6096000" cy="3429000"/>
+          </a:xfrm>
+          <a:custGeom>
+            <a:rect b="b" l="l" r="r" t="t"/>
+            <a:pathLst>
+              <a:path extrusionOk="0" h="120000" w="120000">
+                <a:moveTo>
+                  <a:pt x="0" y="0"/>
+                </a:moveTo>
+                <a:lnTo>
+                  <a:pt x="120000" y="0"/>
+                </a:lnTo>
+                <a:lnTo>
+                  <a:pt x="120000" y="120000"/>
+                </a:lnTo>
+                <a:lnTo>
+                  <a:pt x="0" y="120000"/>
+                </a:lnTo>
+                <a:close/>
+              </a:path>
+            </a:pathLst>
+          </a:custGeom>
+        </p:spPr>
+      </p:sp>
+      <p:sp>
+        <p:nvSpPr>
+          <p:cNvPr id="148" name="Google Shape;148;g6d7e1ebef3_2_46:notes"/>
           <p:cNvSpPr txBox="1"/>
           <p:nvPr>
             <p:ph idx="1" type="body"/>
@@ -1098,7 +1198,7 @@
   <p:cSld>
     <p:spTree>
       <p:nvGrpSpPr>
-        <p:cNvPr id="58" name="Shape 58"/>
+        <p:cNvPr id="59" name="Shape 59"/>
         <p:cNvGrpSpPr/>
         <p:nvPr/>
       </p:nvGrpSpPr>
@@ -1112,7 +1212,7 @@
       </p:grpSpPr>
       <p:sp>
         <p:nvSpPr>
-          <p:cNvPr id="59" name="Google Shape;59;g6d7e1ebef3_1_41:notes"/>
+          <p:cNvPr id="60" name="Google Shape;60;g6d7e1ebef3_1_41:notes"/>
           <p:cNvSpPr/>
           <p:nvPr>
             <p:ph idx="2" type="sldImg"/>
@@ -1147,7 +1247,7 @@
       </p:sp>
       <p:sp>
         <p:nvSpPr>
-          <p:cNvPr id="60" name="Google Shape;60;g6d7e1ebef3_1_41:notes"/>
+          <p:cNvPr id="61" name="Google Shape;61;g6d7e1ebef3_1_41:notes"/>
           <p:cNvSpPr txBox="1"/>
           <p:nvPr>
             <p:ph idx="1" type="body"/>
@@ -1197,7 +1297,7 @@
   <p:cSld>
     <p:spTree>
       <p:nvGrpSpPr>
-        <p:cNvPr id="64" name="Shape 64"/>
+        <p:cNvPr id="66" name="Shape 66"/>
         <p:cNvGrpSpPr/>
         <p:nvPr/>
       </p:nvGrpSpPr>
@@ -1211,7 +1311,7 @@
       </p:grpSpPr>
       <p:sp>
         <p:nvSpPr>
-          <p:cNvPr id="65" name="Google Shape;65;gc6fa3c898_0_10:notes"/>
+          <p:cNvPr id="67" name="Google Shape;67;gc6fa3c898_0_10:notes"/>
           <p:cNvSpPr/>
           <p:nvPr>
             <p:ph idx="2" type="sldImg"/>
@@ -1246,7 +1346,7 @@
       </p:sp>
       <p:sp>
         <p:nvSpPr>
-          <p:cNvPr id="66" name="Google Shape;66;gc6fa3c898_0_10:notes"/>
+          <p:cNvPr id="68" name="Google Shape;68;gc6fa3c898_0_10:notes"/>
           <p:cNvSpPr txBox="1"/>
           <p:nvPr>
             <p:ph idx="1" type="body"/>
@@ -1296,7 +1396,7 @@
   <p:cSld>
     <p:spTree>
       <p:nvGrpSpPr>
-        <p:cNvPr id="71" name="Shape 71"/>
+        <p:cNvPr id="74" name="Shape 74"/>
         <p:cNvGrpSpPr/>
         <p:nvPr/>
       </p:nvGrpSpPr>
@@ -1310,7 +1410,7 @@
       </p:grpSpPr>
       <p:sp>
         <p:nvSpPr>
-          <p:cNvPr id="72" name="Google Shape;72;g6d7e1ebef3_1_2:notes"/>
+          <p:cNvPr id="75" name="Google Shape;75;g6d7e1ebef3_1_2:notes"/>
           <p:cNvSpPr/>
           <p:nvPr>
             <p:ph idx="2" type="sldImg"/>
@@ -1345,7 +1445,7 @@
       </p:sp>
       <p:sp>
         <p:nvSpPr>
-          <p:cNvPr id="73" name="Google Shape;73;g6d7e1ebef3_1_2:notes"/>
+          <p:cNvPr id="76" name="Google Shape;76;g6d7e1ebef3_1_2:notes"/>
           <p:cNvSpPr txBox="1"/>
           <p:nvPr>
             <p:ph idx="1" type="body"/>
@@ -1395,7 +1495,7 @@
   <p:cSld>
     <p:spTree>
       <p:nvGrpSpPr>
-        <p:cNvPr id="80" name="Shape 80"/>
+        <p:cNvPr id="84" name="Shape 84"/>
         <p:cNvGrpSpPr/>
         <p:nvPr/>
       </p:nvGrpSpPr>
@@ -1409,7 +1509,7 @@
       </p:grpSpPr>
       <p:sp>
         <p:nvSpPr>
-          <p:cNvPr id="81" name="Google Shape;81;g6d7e1ebef3_1_15:notes"/>
+          <p:cNvPr id="85" name="Google Shape;85;g47ad7b559c_0_6:notes"/>
           <p:cNvSpPr/>
           <p:nvPr>
             <p:ph idx="2" type="sldImg"/>
@@ -1444,7 +1544,7 @@
       </p:sp>
       <p:sp>
         <p:nvSpPr>
-          <p:cNvPr id="82" name="Google Shape;82;g6d7e1ebef3_1_15:notes"/>
+          <p:cNvPr id="86" name="Google Shape;86;g47ad7b559c_0_6:notes"/>
           <p:cNvSpPr txBox="1"/>
           <p:nvPr>
             <p:ph idx="1" type="body"/>
@@ -1494,7 +1594,7 @@
   <p:cSld>
     <p:spTree>
       <p:nvGrpSpPr>
-        <p:cNvPr id="87" name="Shape 87"/>
+        <p:cNvPr id="92" name="Shape 92"/>
         <p:cNvGrpSpPr/>
         <p:nvPr/>
       </p:nvGrpSpPr>
@@ -1508,7 +1608,7 @@
       </p:grpSpPr>
       <p:sp>
         <p:nvSpPr>
-          <p:cNvPr id="88" name="Google Shape;88;g6d7e1ebef3_2_0:notes"/>
+          <p:cNvPr id="93" name="Google Shape;93;g6d7e1ebef3_1_15:notes"/>
           <p:cNvSpPr/>
           <p:nvPr>
             <p:ph idx="2" type="sldImg"/>
@@ -1543,7 +1643,7 @@
       </p:sp>
       <p:sp>
         <p:nvSpPr>
-          <p:cNvPr id="89" name="Google Shape;89;g6d7e1ebef3_2_0:notes"/>
+          <p:cNvPr id="94" name="Google Shape;94;g6d7e1ebef3_1_15:notes"/>
           <p:cNvSpPr txBox="1"/>
           <p:nvPr>
             <p:ph idx="1" type="body"/>
@@ -1593,7 +1693,7 @@
   <p:cSld>
     <p:spTree>
       <p:nvGrpSpPr>
-        <p:cNvPr id="94" name="Shape 94"/>
+        <p:cNvPr id="100" name="Shape 100"/>
         <p:cNvGrpSpPr/>
         <p:nvPr/>
       </p:nvGrpSpPr>
@@ -1607,7 +1707,7 @@
       </p:grpSpPr>
       <p:sp>
         <p:nvSpPr>
-          <p:cNvPr id="95" name="Google Shape;95;g6d7e1ebef3_1_27:notes"/>
+          <p:cNvPr id="101" name="Google Shape;101;g6d7e1ebef3_2_0:notes"/>
           <p:cNvSpPr/>
           <p:nvPr>
             <p:ph idx="2" type="sldImg"/>
@@ -1642,7 +1742,7 @@
       </p:sp>
       <p:sp>
         <p:nvSpPr>
-          <p:cNvPr id="96" name="Google Shape;96;g6d7e1ebef3_1_27:notes"/>
+          <p:cNvPr id="102" name="Google Shape;102;g6d7e1ebef3_2_0:notes"/>
           <p:cNvSpPr txBox="1"/>
           <p:nvPr>
             <p:ph idx="1" type="body"/>
@@ -1692,7 +1792,7 @@
   <p:cSld>
     <p:spTree>
       <p:nvGrpSpPr>
-        <p:cNvPr id="103" name="Shape 103"/>
+        <p:cNvPr id="108" name="Shape 108"/>
         <p:cNvGrpSpPr/>
         <p:nvPr/>
       </p:nvGrpSpPr>
@@ -1706,7 +1806,7 @@
       </p:grpSpPr>
       <p:sp>
         <p:nvSpPr>
-          <p:cNvPr id="104" name="Google Shape;104;g6d7e1ebef3_2_18:notes"/>
+          <p:cNvPr id="109" name="Google Shape;109;g6d7e1ebef3_1_27:notes"/>
           <p:cNvSpPr/>
           <p:nvPr>
             <p:ph idx="2" type="sldImg"/>
@@ -1741,7 +1841,7 @@
       </p:sp>
       <p:sp>
         <p:nvSpPr>
-          <p:cNvPr id="105" name="Google Shape;105;g6d7e1ebef3_2_18:notes"/>
+          <p:cNvPr id="110" name="Google Shape;110;g6d7e1ebef3_1_27:notes"/>
           <p:cNvSpPr txBox="1"/>
           <p:nvPr>
             <p:ph idx="1" type="body"/>
@@ -1791,7 +1891,7 @@
   <p:cSld>
     <p:spTree>
       <p:nvGrpSpPr>
-        <p:cNvPr id="109" name="Shape 109"/>
+        <p:cNvPr id="118" name="Shape 118"/>
         <p:cNvGrpSpPr/>
         <p:nvPr/>
       </p:nvGrpSpPr>
@@ -1805,7 +1905,7 @@
       </p:grpSpPr>
       <p:sp>
         <p:nvSpPr>
-          <p:cNvPr id="110" name="Google Shape;110;g6d7e1ebef3_2_26:notes"/>
+          <p:cNvPr id="119" name="Google Shape;119;g47ad7b559c_0_16:notes"/>
           <p:cNvSpPr/>
           <p:nvPr>
             <p:ph idx="2" type="sldImg"/>
@@ -1840,7 +1940,7 @@
       </p:sp>
       <p:sp>
         <p:nvSpPr>
-          <p:cNvPr id="111" name="Google Shape;111;g6d7e1ebef3_2_26:notes"/>
+          <p:cNvPr id="120" name="Google Shape;120;g47ad7b559c_0_16:notes"/>
           <p:cNvSpPr txBox="1"/>
           <p:nvPr>
             <p:ph idx="1" type="body"/>
@@ -5841,7 +5941,7 @@
     <p:sldLayoutId id="2147483657" r:id="rId10"/>
     <p:sldLayoutId id="2147483658" r:id="rId11"/>
   </p:sldLayoutIdLst>
-  <p:hf dt="0" ftr="0" hdr="0" sldNum="0"/>
+  <p:hf dt="0" ftr="0" hdr="0"/>
   <p:txStyles>
     <p:titleStyle>
       <a:defPPr lvl="0" marR="0" rtl="0" algn="l">
@@ -6691,7 +6791,7 @@
                 <a:cs typeface="Times New Roman"/>
                 <a:sym typeface="Times New Roman"/>
               </a:rPr>
-              <a:t>/10</a:t>
+              <a:t>/01</a:t>
             </a:r>
             <a:r>
               <a:rPr b="1" lang="fr" sz="3000">
@@ -6961,6 +7061,46 @@
           </a:ln>
         </p:spPr>
       </p:pic>
+      <p:sp>
+        <p:nvSpPr>
+          <p:cNvPr id="58" name="Google Shape;58;p13"/>
+          <p:cNvSpPr txBox="1"/>
+          <p:nvPr>
+            <p:ph idx="12" type="sldNum"/>
+          </p:nvPr>
+        </p:nvSpPr>
+        <p:spPr>
+          <a:xfrm>
+            <a:off x="8472458" y="4663217"/>
+            <a:ext cx="548700" cy="393600"/>
+          </a:xfrm>
+          <a:prstGeom prst="rect">
+            <a:avLst/>
+          </a:prstGeom>
+        </p:spPr>
+        <p:txBody>
+          <a:bodyPr anchorCtr="0" anchor="ctr" bIns="91425" lIns="91425" spcFirstLastPara="1" rIns="91425" wrap="square" tIns="91425">
+            <a:noAutofit/>
+          </a:bodyPr>
+          <a:lstStyle/>
+          <a:p>
+            <a:pPr indent="0" lvl="0" marL="0" rtl="0" algn="r">
+              <a:spcBef>
+                <a:spcPts val="0"/>
+              </a:spcBef>
+              <a:spcAft>
+                <a:spcPts val="0"/>
+              </a:spcAft>
+              <a:buNone/>
+            </a:pPr>
+            <a:fld id="{00000000-1234-1234-1234-123412341234}" type="slidenum">
+              <a:rPr lang="fr"/>
+              <a:t>‹#›</a:t>
+            </a:fld>
+            <a:endParaRPr/>
+          </a:p>
+        </p:txBody>
+      </p:sp>
     </p:spTree>
   </p:cSld>
   <p:clrMapOvr>
@@ -6974,7 +7114,7 @@
   <p:cSld>
     <p:spTree>
       <p:nvGrpSpPr>
-        <p:cNvPr id="118" name="Shape 118"/>
+        <p:cNvPr id="128" name="Shape 128"/>
         <p:cNvGrpSpPr/>
         <p:nvPr/>
       </p:nvGrpSpPr>
@@ -6988,7 +7128,337 @@
       </p:grpSpPr>
       <p:sp>
         <p:nvSpPr>
-          <p:cNvPr id="119" name="Google Shape;119;p22"/>
+          <p:cNvPr id="129" name="Google Shape;129;p22"/>
+          <p:cNvSpPr txBox="1"/>
+          <p:nvPr>
+            <p:ph type="title"/>
+          </p:nvPr>
+        </p:nvSpPr>
+        <p:spPr>
+          <a:xfrm>
+            <a:off x="311700" y="0"/>
+            <a:ext cx="8520600" cy="572700"/>
+          </a:xfrm>
+          <a:prstGeom prst="rect">
+            <a:avLst/>
+          </a:prstGeom>
+        </p:spPr>
+        <p:txBody>
+          <a:bodyPr anchorCtr="0" anchor="t" bIns="91425" lIns="91425" spcFirstLastPara="1" rIns="91425" wrap="square" tIns="91425">
+            <a:noAutofit/>
+          </a:bodyPr>
+          <a:lstStyle/>
+          <a:p>
+            <a:pPr indent="0" lvl="0" marL="0" rtl="0" algn="ctr">
+              <a:spcBef>
+                <a:spcPts val="0"/>
+              </a:spcBef>
+              <a:spcAft>
+                <a:spcPts val="0"/>
+              </a:spcAft>
+              <a:buNone/>
+            </a:pPr>
+            <a:r>
+              <a:rPr b="1" lang="fr" sz="3000">
+                <a:solidFill>
+                  <a:srgbClr val="09A79E"/>
+                </a:solidFill>
+                <a:latin typeface="Times New Roman"/>
+                <a:ea typeface="Times New Roman"/>
+                <a:cs typeface="Times New Roman"/>
+                <a:sym typeface="Times New Roman"/>
+              </a:rPr>
+              <a:t>Planning : Tableau d’avancement</a:t>
+            </a:r>
+            <a:endParaRPr b="1" sz="3000">
+              <a:solidFill>
+                <a:srgbClr val="09A79E"/>
+              </a:solidFill>
+              <a:latin typeface="Times New Roman"/>
+              <a:ea typeface="Times New Roman"/>
+              <a:cs typeface="Times New Roman"/>
+              <a:sym typeface="Times New Roman"/>
+            </a:endParaRPr>
+          </a:p>
+          <a:p>
+            <a:pPr indent="0" lvl="0" marL="0" rtl="0" algn="l">
+              <a:spcBef>
+                <a:spcPts val="0"/>
+              </a:spcBef>
+              <a:spcAft>
+                <a:spcPts val="0"/>
+              </a:spcAft>
+              <a:buNone/>
+            </a:pPr>
+            <a:r>
+              <a:t/>
+            </a:r>
+            <a:endParaRPr/>
+          </a:p>
+        </p:txBody>
+      </p:sp>
+      <p:pic>
+        <p:nvPicPr>
+          <p:cNvPr id="130" name="Google Shape;130;p22">
+            <a:hlinkClick r:id="rId3"/>
+          </p:cNvPr>
+          <p:cNvPicPr preferRelativeResize="0"/>
+          <p:nvPr/>
+        </p:nvPicPr>
+        <p:blipFill>
+          <a:blip r:embed="rId4">
+            <a:alphaModFix/>
+          </a:blip>
+          <a:stretch>
+            <a:fillRect/>
+          </a:stretch>
+        </p:blipFill>
+        <p:spPr>
+          <a:xfrm>
+            <a:off x="152400" y="641950"/>
+            <a:ext cx="8839200" cy="4134465"/>
+          </a:xfrm>
+          <a:prstGeom prst="rect">
+            <a:avLst/>
+          </a:prstGeom>
+          <a:noFill/>
+          <a:ln>
+            <a:noFill/>
+          </a:ln>
+        </p:spPr>
+      </p:pic>
+      <p:sp>
+        <p:nvSpPr>
+          <p:cNvPr id="131" name="Google Shape;131;p22"/>
+          <p:cNvSpPr txBox="1"/>
+          <p:nvPr>
+            <p:ph idx="12" type="sldNum"/>
+          </p:nvPr>
+        </p:nvSpPr>
+        <p:spPr>
+          <a:xfrm>
+            <a:off x="8472458" y="4663217"/>
+            <a:ext cx="548700" cy="393600"/>
+          </a:xfrm>
+          <a:prstGeom prst="rect">
+            <a:avLst/>
+          </a:prstGeom>
+        </p:spPr>
+        <p:txBody>
+          <a:bodyPr anchorCtr="0" anchor="ctr" bIns="91425" lIns="91425" spcFirstLastPara="1" rIns="91425" wrap="square" tIns="91425">
+            <a:noAutofit/>
+          </a:bodyPr>
+          <a:lstStyle/>
+          <a:p>
+            <a:pPr indent="0" lvl="0" marL="0" rtl="0" algn="r">
+              <a:spcBef>
+                <a:spcPts val="0"/>
+              </a:spcBef>
+              <a:spcAft>
+                <a:spcPts val="0"/>
+              </a:spcAft>
+              <a:buNone/>
+            </a:pPr>
+            <a:fld id="{00000000-1234-1234-1234-123412341234}" type="slidenum">
+              <a:rPr lang="fr"/>
+              <a:t>‹#›</a:t>
+            </a:fld>
+            <a:endParaRPr/>
+          </a:p>
+        </p:txBody>
+      </p:sp>
+    </p:spTree>
+  </p:cSld>
+  <p:clrMapOvr>
+    <a:masterClrMapping/>
+  </p:clrMapOvr>
+</p:sld>
+</file>
+
+<file path=ppt/slides/slide11.xml><?xml version="1.0" encoding="utf-8"?>
+<p:sld xmlns:a="http://schemas.openxmlformats.org/drawingml/2006/main" xmlns:r="http://schemas.openxmlformats.org/officeDocument/2006/relationships" xmlns:mc="http://schemas.openxmlformats.org/markup-compatibility/2006" xmlns:mv="urn:schemas-microsoft-com:mac:vml" xmlns:p="http://schemas.openxmlformats.org/presentationml/2006/main" xmlns:c="http://schemas.openxmlformats.org/drawingml/2006/chart" xmlns:dgm="http://schemas.openxmlformats.org/drawingml/2006/diagram" xmlns:o="urn:schemas-microsoft-com:office:office" xmlns:v="urn:schemas-microsoft-com:vml" xmlns:pvml="urn:schemas-microsoft-com:office:powerpoint" xmlns:com="http://schemas.openxmlformats.org/drawingml/2006/compatibility" xmlns:p14="http://schemas.microsoft.com/office/powerpoint/2010/main" xmlns:p15="http://schemas.microsoft.com/office/powerpoint/2012/main">
+  <p:cSld>
+    <p:spTree>
+      <p:nvGrpSpPr>
+        <p:cNvPr id="135" name="Shape 135"/>
+        <p:cNvGrpSpPr/>
+        <p:nvPr/>
+      </p:nvGrpSpPr>
+      <p:grpSpPr>
+        <a:xfrm>
+          <a:off x="0" y="0"/>
+          <a:ext cx="0" cy="0"/>
+          <a:chOff x="0" y="0"/>
+          <a:chExt cx="0" cy="0"/>
+        </a:xfrm>
+      </p:grpSpPr>
+      <p:sp>
+        <p:nvSpPr>
+          <p:cNvPr id="136" name="Google Shape;136;p23"/>
+          <p:cNvSpPr txBox="1"/>
+          <p:nvPr>
+            <p:ph type="title"/>
+          </p:nvPr>
+        </p:nvSpPr>
+        <p:spPr>
+          <a:xfrm>
+            <a:off x="311700" y="0"/>
+            <a:ext cx="8520600" cy="572700"/>
+          </a:xfrm>
+          <a:prstGeom prst="rect">
+            <a:avLst/>
+          </a:prstGeom>
+        </p:spPr>
+        <p:txBody>
+          <a:bodyPr anchorCtr="0" anchor="t" bIns="91425" lIns="91425" spcFirstLastPara="1" rIns="91425" wrap="square" tIns="91425">
+            <a:noAutofit/>
+          </a:bodyPr>
+          <a:lstStyle/>
+          <a:p>
+            <a:pPr indent="0" lvl="0" marL="0" rtl="0" algn="ctr">
+              <a:spcBef>
+                <a:spcPts val="0"/>
+              </a:spcBef>
+              <a:spcAft>
+                <a:spcPts val="0"/>
+              </a:spcAft>
+              <a:buNone/>
+            </a:pPr>
+            <a:r>
+              <a:rPr b="1" lang="fr" sz="3000">
+                <a:solidFill>
+                  <a:srgbClr val="09A79E"/>
+                </a:solidFill>
+                <a:latin typeface="Times New Roman"/>
+                <a:ea typeface="Times New Roman"/>
+                <a:cs typeface="Times New Roman"/>
+                <a:sym typeface="Times New Roman"/>
+              </a:rPr>
+              <a:t>Planning : Indicateur d’avancement</a:t>
+            </a:r>
+            <a:endParaRPr b="1" sz="3000">
+              <a:solidFill>
+                <a:srgbClr val="09A79E"/>
+              </a:solidFill>
+              <a:latin typeface="Times New Roman"/>
+              <a:ea typeface="Times New Roman"/>
+              <a:cs typeface="Times New Roman"/>
+              <a:sym typeface="Times New Roman"/>
+            </a:endParaRPr>
+          </a:p>
+          <a:p>
+            <a:pPr indent="0" lvl="0" marL="0" rtl="0" algn="l">
+              <a:spcBef>
+                <a:spcPts val="0"/>
+              </a:spcBef>
+              <a:spcAft>
+                <a:spcPts val="0"/>
+              </a:spcAft>
+              <a:buNone/>
+            </a:pPr>
+            <a:r>
+              <a:t/>
+            </a:r>
+            <a:endParaRPr/>
+          </a:p>
+        </p:txBody>
+      </p:sp>
+      <p:pic>
+        <p:nvPicPr>
+          <p:cNvPr id="137" name="Google Shape;137;p23"/>
+          <p:cNvPicPr preferRelativeResize="0"/>
+          <p:nvPr/>
+        </p:nvPicPr>
+        <p:blipFill>
+          <a:blip r:embed="rId3">
+            <a:alphaModFix/>
+          </a:blip>
+          <a:stretch>
+            <a:fillRect/>
+          </a:stretch>
+        </p:blipFill>
+        <p:spPr>
+          <a:xfrm>
+            <a:off x="865150" y="572688"/>
+            <a:ext cx="7413675" cy="4179725"/>
+          </a:xfrm>
+          <a:prstGeom prst="rect">
+            <a:avLst/>
+          </a:prstGeom>
+          <a:noFill/>
+          <a:ln>
+            <a:noFill/>
+          </a:ln>
+        </p:spPr>
+      </p:pic>
+      <p:sp>
+        <p:nvSpPr>
+          <p:cNvPr id="138" name="Google Shape;138;p23"/>
+          <p:cNvSpPr txBox="1"/>
+          <p:nvPr>
+            <p:ph idx="12" type="sldNum"/>
+          </p:nvPr>
+        </p:nvSpPr>
+        <p:spPr>
+          <a:xfrm>
+            <a:off x="8472458" y="4663217"/>
+            <a:ext cx="548700" cy="393600"/>
+          </a:xfrm>
+          <a:prstGeom prst="rect">
+            <a:avLst/>
+          </a:prstGeom>
+        </p:spPr>
+        <p:txBody>
+          <a:bodyPr anchorCtr="0" anchor="ctr" bIns="91425" lIns="91425" spcFirstLastPara="1" rIns="91425" wrap="square" tIns="91425">
+            <a:noAutofit/>
+          </a:bodyPr>
+          <a:lstStyle/>
+          <a:p>
+            <a:pPr indent="0" lvl="0" marL="0" rtl="0" algn="r">
+              <a:spcBef>
+                <a:spcPts val="0"/>
+              </a:spcBef>
+              <a:spcAft>
+                <a:spcPts val="0"/>
+              </a:spcAft>
+              <a:buNone/>
+            </a:pPr>
+            <a:fld id="{00000000-1234-1234-1234-123412341234}" type="slidenum">
+              <a:rPr lang="fr"/>
+              <a:t>‹#›</a:t>
+            </a:fld>
+            <a:endParaRPr/>
+          </a:p>
+        </p:txBody>
+      </p:sp>
+    </p:spTree>
+  </p:cSld>
+  <p:clrMapOvr>
+    <a:masterClrMapping/>
+  </p:clrMapOvr>
+</p:sld>
+</file>
+
+<file path=ppt/slides/slide12.xml><?xml version="1.0" encoding="utf-8"?>
+<p:sld xmlns:a="http://schemas.openxmlformats.org/drawingml/2006/main" xmlns:r="http://schemas.openxmlformats.org/officeDocument/2006/relationships" xmlns:mc="http://schemas.openxmlformats.org/markup-compatibility/2006" xmlns:mv="urn:schemas-microsoft-com:mac:vml" xmlns:p="http://schemas.openxmlformats.org/presentationml/2006/main" xmlns:c="http://schemas.openxmlformats.org/drawingml/2006/chart" xmlns:dgm="http://schemas.openxmlformats.org/drawingml/2006/diagram" xmlns:o="urn:schemas-microsoft-com:office:office" xmlns:v="urn:schemas-microsoft-com:vml" xmlns:pvml="urn:schemas-microsoft-com:office:powerpoint" xmlns:com="http://schemas.openxmlformats.org/drawingml/2006/compatibility" xmlns:p14="http://schemas.microsoft.com/office/powerpoint/2010/main" xmlns:p15="http://schemas.microsoft.com/office/powerpoint/2012/main">
+  <p:cSld>
+    <p:spTree>
+      <p:nvGrpSpPr>
+        <p:cNvPr id="142" name="Shape 142"/>
+        <p:cNvGrpSpPr/>
+        <p:nvPr/>
+      </p:nvGrpSpPr>
+      <p:grpSpPr>
+        <a:xfrm>
+          <a:off x="0" y="0"/>
+          <a:ext cx="0" cy="0"/>
+          <a:chOff x="0" y="0"/>
+          <a:chExt cx="0" cy="0"/>
+        </a:xfrm>
+      </p:grpSpPr>
+      <p:sp>
+        <p:nvSpPr>
+          <p:cNvPr id="143" name="Google Shape;143;p24"/>
           <p:cNvSpPr txBox="1"/>
           <p:nvPr>
             <p:ph type="title"/>
@@ -7059,7 +7529,7 @@
       </p:sp>
       <p:pic>
         <p:nvPicPr>
-          <p:cNvPr id="120" name="Google Shape;120;p22">
+          <p:cNvPr id="144" name="Google Shape;144;p24">
             <a:hlinkClick r:id="rId3"/>
           </p:cNvPr>
           <p:cNvPicPr preferRelativeResize="0"/>
@@ -7075,8 +7545,8 @@
         </p:blipFill>
         <p:spPr>
           <a:xfrm>
-            <a:off x="152400" y="828650"/>
-            <a:ext cx="8839198" cy="3460825"/>
+            <a:off x="237950" y="1245651"/>
+            <a:ext cx="8839198" cy="2903375"/>
           </a:xfrm>
           <a:prstGeom prst="rect">
             <a:avLst/>
@@ -7087,6 +7557,46 @@
           </a:ln>
         </p:spPr>
       </p:pic>
+      <p:sp>
+        <p:nvSpPr>
+          <p:cNvPr id="145" name="Google Shape;145;p24"/>
+          <p:cNvSpPr txBox="1"/>
+          <p:nvPr>
+            <p:ph idx="12" type="sldNum"/>
+          </p:nvPr>
+        </p:nvSpPr>
+        <p:spPr>
+          <a:xfrm>
+            <a:off x="8472458" y="4663217"/>
+            <a:ext cx="548700" cy="393600"/>
+          </a:xfrm>
+          <a:prstGeom prst="rect">
+            <a:avLst/>
+          </a:prstGeom>
+        </p:spPr>
+        <p:txBody>
+          <a:bodyPr anchorCtr="0" anchor="ctr" bIns="91425" lIns="91425" spcFirstLastPara="1" rIns="91425" wrap="square" tIns="91425">
+            <a:noAutofit/>
+          </a:bodyPr>
+          <a:lstStyle/>
+          <a:p>
+            <a:pPr indent="0" lvl="0" marL="0" rtl="0" algn="r">
+              <a:spcBef>
+                <a:spcPts val="0"/>
+              </a:spcBef>
+              <a:spcAft>
+                <a:spcPts val="0"/>
+              </a:spcAft>
+              <a:buNone/>
+            </a:pPr>
+            <a:fld id="{00000000-1234-1234-1234-123412341234}" type="slidenum">
+              <a:rPr lang="fr"/>
+              <a:t>‹#›</a:t>
+            </a:fld>
+            <a:endParaRPr/>
+          </a:p>
+        </p:txBody>
+      </p:sp>
     </p:spTree>
   </p:cSld>
   <p:clrMapOvr>
@@ -7095,12 +7605,12 @@
 </p:sld>
 </file>
 
-<file path=ppt/slides/slide11.xml><?xml version="1.0" encoding="utf-8"?>
+<file path=ppt/slides/slide13.xml><?xml version="1.0" encoding="utf-8"?>
 <p:sld xmlns:a="http://schemas.openxmlformats.org/drawingml/2006/main" xmlns:r="http://schemas.openxmlformats.org/officeDocument/2006/relationships" xmlns:mc="http://schemas.openxmlformats.org/markup-compatibility/2006" xmlns:mv="urn:schemas-microsoft-com:mac:vml" xmlns:p="http://schemas.openxmlformats.org/presentationml/2006/main" xmlns:c="http://schemas.openxmlformats.org/drawingml/2006/chart" xmlns:dgm="http://schemas.openxmlformats.org/drawingml/2006/diagram" xmlns:o="urn:schemas-microsoft-com:office:office" xmlns:v="urn:schemas-microsoft-com:vml" xmlns:pvml="urn:schemas-microsoft-com:office:powerpoint" xmlns:com="http://schemas.openxmlformats.org/drawingml/2006/compatibility" xmlns:p14="http://schemas.microsoft.com/office/powerpoint/2010/main" xmlns:p15="http://schemas.microsoft.com/office/powerpoint/2012/main">
   <p:cSld>
     <p:spTree>
       <p:nvGrpSpPr>
-        <p:cNvPr id="124" name="Shape 124"/>
+        <p:cNvPr id="149" name="Shape 149"/>
         <p:cNvGrpSpPr/>
         <p:nvPr/>
       </p:nvGrpSpPr>
@@ -7114,133 +7624,7 @@
       </p:grpSpPr>
       <p:sp>
         <p:nvSpPr>
-          <p:cNvPr id="125" name="Google Shape;125;p23"/>
-          <p:cNvSpPr txBox="1"/>
-          <p:nvPr>
-            <p:ph type="title"/>
-          </p:nvPr>
-        </p:nvSpPr>
-        <p:spPr>
-          <a:xfrm>
-            <a:off x="311700" y="0"/>
-            <a:ext cx="8520600" cy="572700"/>
-          </a:xfrm>
-          <a:prstGeom prst="rect">
-            <a:avLst/>
-          </a:prstGeom>
-        </p:spPr>
-        <p:txBody>
-          <a:bodyPr anchorCtr="0" anchor="t" bIns="91425" lIns="91425" spcFirstLastPara="1" rIns="91425" wrap="square" tIns="91425">
-            <a:noAutofit/>
-          </a:bodyPr>
-          <a:lstStyle/>
-          <a:p>
-            <a:pPr indent="0" lvl="0" marL="0" rtl="0" algn="ctr">
-              <a:spcBef>
-                <a:spcPts val="0"/>
-              </a:spcBef>
-              <a:spcAft>
-                <a:spcPts val="0"/>
-              </a:spcAft>
-              <a:buNone/>
-            </a:pPr>
-            <a:r>
-              <a:rPr b="1" lang="fr" sz="3000">
-                <a:solidFill>
-                  <a:srgbClr val="09A79E"/>
-                </a:solidFill>
-                <a:latin typeface="Times New Roman"/>
-                <a:ea typeface="Times New Roman"/>
-                <a:cs typeface="Times New Roman"/>
-                <a:sym typeface="Times New Roman"/>
-              </a:rPr>
-              <a:t>Planning : Pert</a:t>
-            </a:r>
-            <a:endParaRPr b="1" sz="3000">
-              <a:solidFill>
-                <a:srgbClr val="09A79E"/>
-              </a:solidFill>
-              <a:latin typeface="Times New Roman"/>
-              <a:ea typeface="Times New Roman"/>
-              <a:cs typeface="Times New Roman"/>
-              <a:sym typeface="Times New Roman"/>
-            </a:endParaRPr>
-          </a:p>
-          <a:p>
-            <a:pPr indent="0" lvl="0" marL="0" rtl="0" algn="l">
-              <a:spcBef>
-                <a:spcPts val="0"/>
-              </a:spcBef>
-              <a:spcAft>
-                <a:spcPts val="0"/>
-              </a:spcAft>
-              <a:buNone/>
-            </a:pPr>
-            <a:r>
-              <a:t/>
-            </a:r>
-            <a:endParaRPr/>
-          </a:p>
-        </p:txBody>
-      </p:sp>
-      <p:pic>
-        <p:nvPicPr>
-          <p:cNvPr id="126" name="Google Shape;126;p23">
-            <a:hlinkClick r:id="rId3"/>
-          </p:cNvPr>
-          <p:cNvPicPr preferRelativeResize="0"/>
-          <p:nvPr/>
-        </p:nvPicPr>
-        <p:blipFill>
-          <a:blip r:embed="rId4">
-            <a:alphaModFix/>
-          </a:blip>
-          <a:stretch>
-            <a:fillRect/>
-          </a:stretch>
-        </p:blipFill>
-        <p:spPr>
-          <a:xfrm>
-            <a:off x="152400" y="725100"/>
-            <a:ext cx="8839200" cy="4192506"/>
-          </a:xfrm>
-          <a:prstGeom prst="rect">
-            <a:avLst/>
-          </a:prstGeom>
-          <a:noFill/>
-          <a:ln>
-            <a:noFill/>
-          </a:ln>
-        </p:spPr>
-      </p:pic>
-    </p:spTree>
-  </p:cSld>
-  <p:clrMapOvr>
-    <a:masterClrMapping/>
-  </p:clrMapOvr>
-</p:sld>
-</file>
-
-<file path=ppt/slides/slide12.xml><?xml version="1.0" encoding="utf-8"?>
-<p:sld xmlns:a="http://schemas.openxmlformats.org/drawingml/2006/main" xmlns:r="http://schemas.openxmlformats.org/officeDocument/2006/relationships" xmlns:mc="http://schemas.openxmlformats.org/markup-compatibility/2006" xmlns:mv="urn:schemas-microsoft-com:mac:vml" xmlns:p="http://schemas.openxmlformats.org/presentationml/2006/main" xmlns:c="http://schemas.openxmlformats.org/drawingml/2006/chart" xmlns:dgm="http://schemas.openxmlformats.org/drawingml/2006/diagram" xmlns:o="urn:schemas-microsoft-com:office:office" xmlns:v="urn:schemas-microsoft-com:vml" xmlns:pvml="urn:schemas-microsoft-com:office:powerpoint" xmlns:com="http://schemas.openxmlformats.org/drawingml/2006/compatibility" xmlns:p14="http://schemas.microsoft.com/office/powerpoint/2010/main" xmlns:p15="http://schemas.microsoft.com/office/powerpoint/2012/main">
-  <p:cSld>
-    <p:spTree>
-      <p:nvGrpSpPr>
-        <p:cNvPr id="130" name="Shape 130"/>
-        <p:cNvGrpSpPr/>
-        <p:nvPr/>
-      </p:nvGrpSpPr>
-      <p:grpSpPr>
-        <a:xfrm>
-          <a:off x="0" y="0"/>
-          <a:ext cx="0" cy="0"/>
-          <a:chOff x="0" y="0"/>
-          <a:chExt cx="0" cy="0"/>
-        </a:xfrm>
-      </p:grpSpPr>
-      <p:sp>
-        <p:nvSpPr>
-          <p:cNvPr id="131" name="Google Shape;131;p24"/>
+          <p:cNvPr id="150" name="Google Shape;150;p25"/>
           <p:cNvSpPr txBox="1"/>
           <p:nvPr>
             <p:ph type="title"/>
@@ -7291,6 +7675,46 @@
           </a:p>
         </p:txBody>
       </p:sp>
+      <p:sp>
+        <p:nvSpPr>
+          <p:cNvPr id="151" name="Google Shape;151;p25"/>
+          <p:cNvSpPr txBox="1"/>
+          <p:nvPr>
+            <p:ph idx="12" type="sldNum"/>
+          </p:nvPr>
+        </p:nvSpPr>
+        <p:spPr>
+          <a:xfrm>
+            <a:off x="8472458" y="4663217"/>
+            <a:ext cx="548700" cy="393600"/>
+          </a:xfrm>
+          <a:prstGeom prst="rect">
+            <a:avLst/>
+          </a:prstGeom>
+        </p:spPr>
+        <p:txBody>
+          <a:bodyPr anchorCtr="0" anchor="ctr" bIns="91425" lIns="91425" spcFirstLastPara="1" rIns="91425" wrap="square" tIns="91425">
+            <a:noAutofit/>
+          </a:bodyPr>
+          <a:lstStyle/>
+          <a:p>
+            <a:pPr indent="0" lvl="0" marL="0" rtl="0" algn="r">
+              <a:spcBef>
+                <a:spcPts val="0"/>
+              </a:spcBef>
+              <a:spcAft>
+                <a:spcPts val="0"/>
+              </a:spcAft>
+              <a:buNone/>
+            </a:pPr>
+            <a:fld id="{00000000-1234-1234-1234-123412341234}" type="slidenum">
+              <a:rPr lang="fr"/>
+              <a:t>‹#›</a:t>
+            </a:fld>
+            <a:endParaRPr/>
+          </a:p>
+        </p:txBody>
+      </p:sp>
     </p:spTree>
   </p:cSld>
   <p:clrMapOvr>
@@ -7304,7 +7728,7 @@
   <p:cSld>
     <p:spTree>
       <p:nvGrpSpPr>
-        <p:cNvPr id="61" name="Shape 61"/>
+        <p:cNvPr id="62" name="Shape 62"/>
         <p:cNvGrpSpPr/>
         <p:nvPr/>
       </p:nvGrpSpPr>
@@ -7318,7 +7742,7 @@
       </p:grpSpPr>
       <p:sp>
         <p:nvSpPr>
-          <p:cNvPr id="62" name="Google Shape;62;p14"/>
+          <p:cNvPr id="63" name="Google Shape;63;p14"/>
           <p:cNvSpPr txBox="1"/>
           <p:nvPr>
             <p:ph idx="4294967295" type="title"/>
@@ -7374,7 +7798,7 @@
       </p:sp>
       <p:pic>
         <p:nvPicPr>
-          <p:cNvPr id="63" name="Google Shape;63;p14"/>
+          <p:cNvPr id="64" name="Google Shape;64;p14"/>
           <p:cNvPicPr preferRelativeResize="0"/>
           <p:nvPr/>
         </p:nvPicPr>
@@ -7400,6 +7824,46 @@
           </a:ln>
         </p:spPr>
       </p:pic>
+      <p:sp>
+        <p:nvSpPr>
+          <p:cNvPr id="65" name="Google Shape;65;p14"/>
+          <p:cNvSpPr txBox="1"/>
+          <p:nvPr>
+            <p:ph idx="12" type="sldNum"/>
+          </p:nvPr>
+        </p:nvSpPr>
+        <p:spPr>
+          <a:xfrm>
+            <a:off x="8472458" y="4663217"/>
+            <a:ext cx="548700" cy="393600"/>
+          </a:xfrm>
+          <a:prstGeom prst="rect">
+            <a:avLst/>
+          </a:prstGeom>
+        </p:spPr>
+        <p:txBody>
+          <a:bodyPr anchorCtr="0" anchor="ctr" bIns="91425" lIns="91425" spcFirstLastPara="1" rIns="91425" wrap="square" tIns="91425">
+            <a:noAutofit/>
+          </a:bodyPr>
+          <a:lstStyle/>
+          <a:p>
+            <a:pPr indent="0" lvl="0" marL="0" rtl="0" algn="r">
+              <a:spcBef>
+                <a:spcPts val="0"/>
+              </a:spcBef>
+              <a:spcAft>
+                <a:spcPts val="0"/>
+              </a:spcAft>
+              <a:buNone/>
+            </a:pPr>
+            <a:fld id="{00000000-1234-1234-1234-123412341234}" type="slidenum">
+              <a:rPr lang="fr"/>
+              <a:t>‹#›</a:t>
+            </a:fld>
+            <a:endParaRPr/>
+          </a:p>
+        </p:txBody>
+      </p:sp>
     </p:spTree>
   </p:cSld>
   <p:clrMapOvr>
@@ -7413,7 +7877,7 @@
   <p:cSld>
     <p:spTree>
       <p:nvGrpSpPr>
-        <p:cNvPr id="67" name="Shape 67"/>
+        <p:cNvPr id="69" name="Shape 69"/>
         <p:cNvGrpSpPr/>
         <p:nvPr/>
       </p:nvGrpSpPr>
@@ -7427,7 +7891,7 @@
       </p:grpSpPr>
       <p:sp>
         <p:nvSpPr>
-          <p:cNvPr id="68" name="Google Shape;68;p15"/>
+          <p:cNvPr id="70" name="Google Shape;70;p15"/>
           <p:cNvSpPr txBox="1"/>
           <p:nvPr>
             <p:ph type="title"/>
@@ -7483,7 +7947,7 @@
       </p:sp>
       <p:pic>
         <p:nvPicPr>
-          <p:cNvPr id="69" name="Google Shape;69;p15"/>
+          <p:cNvPr id="71" name="Google Shape;71;p15"/>
           <p:cNvPicPr preferRelativeResize="0"/>
           <p:nvPr/>
         </p:nvPicPr>
@@ -7517,7 +7981,7 @@
       </p:pic>
       <p:sp>
         <p:nvSpPr>
-          <p:cNvPr id="70" name="Google Shape;70;p15"/>
+          <p:cNvPr id="72" name="Google Shape;72;p15"/>
           <p:cNvSpPr txBox="1"/>
           <p:nvPr>
             <p:ph idx="2" type="body"/>
@@ -7525,7 +7989,7 @@
         </p:nvSpPr>
         <p:spPr>
           <a:xfrm>
-            <a:off x="-53725" y="2487825"/>
+            <a:off x="6179700" y="733275"/>
             <a:ext cx="1557000" cy="409800"/>
           </a:xfrm>
           <a:prstGeom prst="rect">
@@ -7571,6 +8035,46 @@
           </a:p>
         </p:txBody>
       </p:sp>
+      <p:sp>
+        <p:nvSpPr>
+          <p:cNvPr id="73" name="Google Shape;73;p15"/>
+          <p:cNvSpPr txBox="1"/>
+          <p:nvPr>
+            <p:ph idx="12" type="sldNum"/>
+          </p:nvPr>
+        </p:nvSpPr>
+        <p:spPr>
+          <a:xfrm>
+            <a:off x="8472458" y="4663217"/>
+            <a:ext cx="548700" cy="393600"/>
+          </a:xfrm>
+          <a:prstGeom prst="rect">
+            <a:avLst/>
+          </a:prstGeom>
+        </p:spPr>
+        <p:txBody>
+          <a:bodyPr anchorCtr="0" anchor="ctr" bIns="91425" lIns="91425" spcFirstLastPara="1" rIns="91425" wrap="square" tIns="91425">
+            <a:noAutofit/>
+          </a:bodyPr>
+          <a:lstStyle/>
+          <a:p>
+            <a:pPr indent="0" lvl="0" marL="0" rtl="0" algn="r">
+              <a:spcBef>
+                <a:spcPts val="0"/>
+              </a:spcBef>
+              <a:spcAft>
+                <a:spcPts val="0"/>
+              </a:spcAft>
+              <a:buNone/>
+            </a:pPr>
+            <a:fld id="{00000000-1234-1234-1234-123412341234}" type="slidenum">
+              <a:rPr lang="fr"/>
+              <a:t>‹#›</a:t>
+            </a:fld>
+            <a:endParaRPr/>
+          </a:p>
+        </p:txBody>
+      </p:sp>
     </p:spTree>
   </p:cSld>
   <p:clrMapOvr>
@@ -7584,7 +8088,7 @@
   <p:cSld>
     <p:spTree>
       <p:nvGrpSpPr>
-        <p:cNvPr id="74" name="Shape 74"/>
+        <p:cNvPr id="77" name="Shape 77"/>
         <p:cNvGrpSpPr/>
         <p:nvPr/>
       </p:nvGrpSpPr>
@@ -7598,7 +8102,7 @@
       </p:grpSpPr>
       <p:sp>
         <p:nvSpPr>
-          <p:cNvPr id="75" name="Google Shape;75;p16"/>
+          <p:cNvPr id="78" name="Google Shape;78;p16"/>
           <p:cNvSpPr txBox="1"/>
           <p:nvPr>
             <p:ph type="title"/>
@@ -7674,7 +8178,7 @@
       </p:sp>
       <p:pic>
         <p:nvPicPr>
-          <p:cNvPr id="76" name="Google Shape;76;p16"/>
+          <p:cNvPr id="79" name="Google Shape;79;p16"/>
           <p:cNvPicPr preferRelativeResize="0"/>
           <p:nvPr/>
         </p:nvPicPr>
@@ -7701,7 +8205,7 @@
       </p:pic>
       <p:pic>
         <p:nvPicPr>
-          <p:cNvPr id="77" name="Google Shape;77;p16"/>
+          <p:cNvPr id="80" name="Google Shape;80;p16"/>
           <p:cNvPicPr preferRelativeResize="0"/>
           <p:nvPr/>
         </p:nvPicPr>
@@ -7734,7 +8238,7 @@
       </p:pic>
       <p:sp>
         <p:nvSpPr>
-          <p:cNvPr id="78" name="Google Shape;78;p16"/>
+          <p:cNvPr id="81" name="Google Shape;81;p16"/>
           <p:cNvSpPr txBox="1"/>
           <p:nvPr>
             <p:ph idx="2" type="body"/>
@@ -7790,7 +8294,7 @@
       </p:sp>
       <p:sp>
         <p:nvSpPr>
-          <p:cNvPr id="79" name="Google Shape;79;p16"/>
+          <p:cNvPr id="82" name="Google Shape;82;p16"/>
           <p:cNvSpPr txBox="1"/>
           <p:nvPr>
             <p:ph idx="2" type="body"/>
@@ -7856,6 +8360,46 @@
           </a:p>
         </p:txBody>
       </p:sp>
+      <p:sp>
+        <p:nvSpPr>
+          <p:cNvPr id="83" name="Google Shape;83;p16"/>
+          <p:cNvSpPr txBox="1"/>
+          <p:nvPr>
+            <p:ph idx="12" type="sldNum"/>
+          </p:nvPr>
+        </p:nvSpPr>
+        <p:spPr>
+          <a:xfrm>
+            <a:off x="8472458" y="4663217"/>
+            <a:ext cx="548700" cy="393600"/>
+          </a:xfrm>
+          <a:prstGeom prst="rect">
+            <a:avLst/>
+          </a:prstGeom>
+        </p:spPr>
+        <p:txBody>
+          <a:bodyPr anchorCtr="0" anchor="ctr" bIns="91425" lIns="91425" spcFirstLastPara="1" rIns="91425" wrap="square" tIns="91425">
+            <a:noAutofit/>
+          </a:bodyPr>
+          <a:lstStyle/>
+          <a:p>
+            <a:pPr indent="0" lvl="0" marL="0" rtl="0" algn="r">
+              <a:spcBef>
+                <a:spcPts val="0"/>
+              </a:spcBef>
+              <a:spcAft>
+                <a:spcPts val="0"/>
+              </a:spcAft>
+              <a:buNone/>
+            </a:pPr>
+            <a:fld id="{00000000-1234-1234-1234-123412341234}" type="slidenum">
+              <a:rPr lang="fr"/>
+              <a:t>‹#›</a:t>
+            </a:fld>
+            <a:endParaRPr/>
+          </a:p>
+        </p:txBody>
+      </p:sp>
     </p:spTree>
   </p:cSld>
   <p:clrMapOvr>
@@ -7869,7 +8413,7 @@
   <p:cSld>
     <p:spTree>
       <p:nvGrpSpPr>
-        <p:cNvPr id="83" name="Shape 83"/>
+        <p:cNvPr id="87" name="Shape 87"/>
         <p:cNvGrpSpPr/>
         <p:nvPr/>
       </p:nvGrpSpPr>
@@ -7883,7 +8427,7 @@
       </p:grpSpPr>
       <p:sp>
         <p:nvSpPr>
-          <p:cNvPr id="84" name="Google Shape;84;p17"/>
+          <p:cNvPr id="88" name="Google Shape;88;p17"/>
           <p:cNvSpPr txBox="1"/>
           <p:nvPr>
             <p:ph type="title"/>
@@ -7911,6 +8455,11 @@
               <a:spcAft>
                 <a:spcPts val="0"/>
               </a:spcAft>
+              <a:buClr>
+                <a:schemeClr val="dk1"/>
+              </a:buClr>
+              <a:buSzPts val="1100"/>
+              <a:buFont typeface="Arial"/>
               <a:buNone/>
             </a:pPr>
             <a:r>
@@ -7954,7 +8503,227 @@
       </p:sp>
       <p:sp>
         <p:nvSpPr>
-          <p:cNvPr id="85" name="Google Shape;85;p17"/>
+          <p:cNvPr id="89" name="Google Shape;89;p17"/>
+          <p:cNvSpPr txBox="1"/>
+          <p:nvPr>
+            <p:ph idx="2" type="body"/>
+          </p:nvPr>
+        </p:nvSpPr>
+        <p:spPr>
+          <a:xfrm>
+            <a:off x="2572050" y="908525"/>
+            <a:ext cx="3999900" cy="409500"/>
+          </a:xfrm>
+          <a:prstGeom prst="rect">
+            <a:avLst/>
+          </a:prstGeom>
+        </p:spPr>
+        <p:txBody>
+          <a:bodyPr anchorCtr="0" anchor="t" bIns="91425" lIns="91425" spcFirstLastPara="1" rIns="91425" wrap="square" tIns="91425">
+            <a:noAutofit/>
+          </a:bodyPr>
+          <a:lstStyle/>
+          <a:p>
+            <a:pPr indent="0" lvl="0" marL="0" rtl="0" algn="ctr">
+              <a:spcBef>
+                <a:spcPts val="0"/>
+              </a:spcBef>
+              <a:spcAft>
+                <a:spcPts val="1600"/>
+              </a:spcAft>
+              <a:buNone/>
+            </a:pPr>
+            <a:r>
+              <a:rPr b="1" lang="fr">
+                <a:solidFill>
+                  <a:srgbClr val="000000"/>
+                </a:solidFill>
+                <a:latin typeface="Times New Roman"/>
+                <a:ea typeface="Times New Roman"/>
+                <a:cs typeface="Times New Roman"/>
+                <a:sym typeface="Times New Roman"/>
+              </a:rPr>
+              <a:t>Librairie Folium</a:t>
+            </a:r>
+            <a:endParaRPr b="1">
+              <a:solidFill>
+                <a:srgbClr val="000000"/>
+              </a:solidFill>
+              <a:latin typeface="Times New Roman"/>
+              <a:ea typeface="Times New Roman"/>
+              <a:cs typeface="Times New Roman"/>
+              <a:sym typeface="Times New Roman"/>
+            </a:endParaRPr>
+          </a:p>
+        </p:txBody>
+      </p:sp>
+      <p:pic>
+        <p:nvPicPr>
+          <p:cNvPr id="90" name="Google Shape;90;p17"/>
+          <p:cNvPicPr preferRelativeResize="0"/>
+          <p:nvPr/>
+        </p:nvPicPr>
+        <p:blipFill>
+          <a:blip r:embed="rId3">
+            <a:alphaModFix/>
+          </a:blip>
+          <a:stretch>
+            <a:fillRect/>
+          </a:stretch>
+        </p:blipFill>
+        <p:spPr>
+          <a:xfrm>
+            <a:off x="1643438" y="1318025"/>
+            <a:ext cx="5857123" cy="3520675"/>
+          </a:xfrm>
+          <a:prstGeom prst="rect">
+            <a:avLst/>
+          </a:prstGeom>
+          <a:noFill/>
+          <a:ln>
+            <a:noFill/>
+          </a:ln>
+        </p:spPr>
+      </p:pic>
+      <p:sp>
+        <p:nvSpPr>
+          <p:cNvPr id="91" name="Google Shape;91;p17"/>
+          <p:cNvSpPr txBox="1"/>
+          <p:nvPr>
+            <p:ph idx="12" type="sldNum"/>
+          </p:nvPr>
+        </p:nvSpPr>
+        <p:spPr>
+          <a:xfrm>
+            <a:off x="8472458" y="4663217"/>
+            <a:ext cx="548700" cy="393600"/>
+          </a:xfrm>
+          <a:prstGeom prst="rect">
+            <a:avLst/>
+          </a:prstGeom>
+        </p:spPr>
+        <p:txBody>
+          <a:bodyPr anchorCtr="0" anchor="ctr" bIns="91425" lIns="91425" spcFirstLastPara="1" rIns="91425" wrap="square" tIns="91425">
+            <a:noAutofit/>
+          </a:bodyPr>
+          <a:lstStyle/>
+          <a:p>
+            <a:pPr indent="0" lvl="0" marL="0" rtl="0" algn="r">
+              <a:spcBef>
+                <a:spcPts val="0"/>
+              </a:spcBef>
+              <a:spcAft>
+                <a:spcPts val="0"/>
+              </a:spcAft>
+              <a:buNone/>
+            </a:pPr>
+            <a:fld id="{00000000-1234-1234-1234-123412341234}" type="slidenum">
+              <a:rPr lang="fr"/>
+              <a:t>‹#›</a:t>
+            </a:fld>
+            <a:endParaRPr/>
+          </a:p>
+        </p:txBody>
+      </p:sp>
+    </p:spTree>
+  </p:cSld>
+  <p:clrMapOvr>
+    <a:masterClrMapping/>
+  </p:clrMapOvr>
+</p:sld>
+</file>
+
+<file path=ppt/slides/slide6.xml><?xml version="1.0" encoding="utf-8"?>
+<p:sld xmlns:a="http://schemas.openxmlformats.org/drawingml/2006/main" xmlns:r="http://schemas.openxmlformats.org/officeDocument/2006/relationships" xmlns:mc="http://schemas.openxmlformats.org/markup-compatibility/2006" xmlns:mv="urn:schemas-microsoft-com:mac:vml" xmlns:p="http://schemas.openxmlformats.org/presentationml/2006/main" xmlns:c="http://schemas.openxmlformats.org/drawingml/2006/chart" xmlns:dgm="http://schemas.openxmlformats.org/drawingml/2006/diagram" xmlns:o="urn:schemas-microsoft-com:office:office" xmlns:v="urn:schemas-microsoft-com:vml" xmlns:pvml="urn:schemas-microsoft-com:office:powerpoint" xmlns:com="http://schemas.openxmlformats.org/drawingml/2006/compatibility" xmlns:p14="http://schemas.microsoft.com/office/powerpoint/2010/main" xmlns:p15="http://schemas.microsoft.com/office/powerpoint/2012/main">
+  <p:cSld>
+    <p:spTree>
+      <p:nvGrpSpPr>
+        <p:cNvPr id="95" name="Shape 95"/>
+        <p:cNvGrpSpPr/>
+        <p:nvPr/>
+      </p:nvGrpSpPr>
+      <p:grpSpPr>
+        <a:xfrm>
+          <a:off x="0" y="0"/>
+          <a:ext cx="0" cy="0"/>
+          <a:chOff x="0" y="0"/>
+          <a:chExt cx="0" cy="0"/>
+        </a:xfrm>
+      </p:grpSpPr>
+      <p:sp>
+        <p:nvSpPr>
+          <p:cNvPr id="96" name="Google Shape;96;p18"/>
+          <p:cNvSpPr txBox="1"/>
+          <p:nvPr>
+            <p:ph type="title"/>
+          </p:nvPr>
+        </p:nvSpPr>
+        <p:spPr>
+          <a:xfrm>
+            <a:off x="311700" y="0"/>
+            <a:ext cx="8520600" cy="572700"/>
+          </a:xfrm>
+          <a:prstGeom prst="rect">
+            <a:avLst/>
+          </a:prstGeom>
+        </p:spPr>
+        <p:txBody>
+          <a:bodyPr anchorCtr="0" anchor="t" bIns="91425" lIns="91425" spcFirstLastPara="1" rIns="91425" wrap="square" tIns="91425">
+            <a:noAutofit/>
+          </a:bodyPr>
+          <a:lstStyle/>
+          <a:p>
+            <a:pPr indent="0" lvl="0" marL="0" rtl="0" algn="ctr">
+              <a:spcBef>
+                <a:spcPts val="0"/>
+              </a:spcBef>
+              <a:spcAft>
+                <a:spcPts val="0"/>
+              </a:spcAft>
+              <a:buNone/>
+            </a:pPr>
+            <a:r>
+              <a:rPr b="1" lang="fr" sz="3000">
+                <a:solidFill>
+                  <a:srgbClr val="09A79E"/>
+                </a:solidFill>
+                <a:latin typeface="Times New Roman"/>
+                <a:ea typeface="Times New Roman"/>
+                <a:cs typeface="Times New Roman"/>
+                <a:sym typeface="Times New Roman"/>
+              </a:rPr>
+              <a:t>Problèmes rencontrés et leurs résolutions</a:t>
+            </a:r>
+            <a:endParaRPr b="1" sz="3000">
+              <a:solidFill>
+                <a:srgbClr val="09A79E"/>
+              </a:solidFill>
+              <a:latin typeface="Times New Roman"/>
+              <a:ea typeface="Times New Roman"/>
+              <a:cs typeface="Times New Roman"/>
+              <a:sym typeface="Times New Roman"/>
+            </a:endParaRPr>
+          </a:p>
+          <a:p>
+            <a:pPr indent="0" lvl="0" marL="0" rtl="0" algn="l">
+              <a:spcBef>
+                <a:spcPts val="0"/>
+              </a:spcBef>
+              <a:spcAft>
+                <a:spcPts val="0"/>
+              </a:spcAft>
+              <a:buNone/>
+            </a:pPr>
+            <a:r>
+              <a:t/>
+            </a:r>
+            <a:endParaRPr/>
+          </a:p>
+        </p:txBody>
+      </p:sp>
+      <p:sp>
+        <p:nvSpPr>
+          <p:cNvPr id="97" name="Google Shape;97;p18"/>
           <p:cNvSpPr txBox="1"/>
           <p:nvPr>
             <p:ph idx="2" type="body"/>
@@ -8010,7 +8779,7 @@
       </p:sp>
       <p:pic>
         <p:nvPicPr>
-          <p:cNvPr id="86" name="Google Shape;86;p17">
+          <p:cNvPr id="98" name="Google Shape;98;p18">
             <a:hlinkClick r:id="rId3"/>
           </p:cNvPr>
           <p:cNvPicPr preferRelativeResize="0"/>
@@ -8038,6 +8807,46 @@
           </a:ln>
         </p:spPr>
       </p:pic>
+      <p:sp>
+        <p:nvSpPr>
+          <p:cNvPr id="99" name="Google Shape;99;p18"/>
+          <p:cNvSpPr txBox="1"/>
+          <p:nvPr>
+            <p:ph idx="12" type="sldNum"/>
+          </p:nvPr>
+        </p:nvSpPr>
+        <p:spPr>
+          <a:xfrm>
+            <a:off x="8472458" y="4663217"/>
+            <a:ext cx="548700" cy="393600"/>
+          </a:xfrm>
+          <a:prstGeom prst="rect">
+            <a:avLst/>
+          </a:prstGeom>
+        </p:spPr>
+        <p:txBody>
+          <a:bodyPr anchorCtr="0" anchor="ctr" bIns="91425" lIns="91425" spcFirstLastPara="1" rIns="91425" wrap="square" tIns="91425">
+            <a:noAutofit/>
+          </a:bodyPr>
+          <a:lstStyle/>
+          <a:p>
+            <a:pPr indent="0" lvl="0" marL="0" rtl="0" algn="r">
+              <a:spcBef>
+                <a:spcPts val="0"/>
+              </a:spcBef>
+              <a:spcAft>
+                <a:spcPts val="0"/>
+              </a:spcAft>
+              <a:buNone/>
+            </a:pPr>
+            <a:fld id="{00000000-1234-1234-1234-123412341234}" type="slidenum">
+              <a:rPr lang="fr"/>
+              <a:t>‹#›</a:t>
+            </a:fld>
+            <a:endParaRPr/>
+          </a:p>
+        </p:txBody>
+      </p:sp>
     </p:spTree>
   </p:cSld>
   <p:clrMapOvr>
@@ -8046,12 +8855,12 @@
 </p:sld>
 </file>
 
-<file path=ppt/slides/slide6.xml><?xml version="1.0" encoding="utf-8"?>
+<file path=ppt/slides/slide7.xml><?xml version="1.0" encoding="utf-8"?>
 <p:sld xmlns:a="http://schemas.openxmlformats.org/drawingml/2006/main" xmlns:r="http://schemas.openxmlformats.org/officeDocument/2006/relationships" xmlns:mc="http://schemas.openxmlformats.org/markup-compatibility/2006" xmlns:mv="urn:schemas-microsoft-com:mac:vml" xmlns:p="http://schemas.openxmlformats.org/presentationml/2006/main" xmlns:c="http://schemas.openxmlformats.org/drawingml/2006/chart" xmlns:dgm="http://schemas.openxmlformats.org/drawingml/2006/diagram" xmlns:o="urn:schemas-microsoft-com:office:office" xmlns:v="urn:schemas-microsoft-com:vml" xmlns:pvml="urn:schemas-microsoft-com:office:powerpoint" xmlns:com="http://schemas.openxmlformats.org/drawingml/2006/compatibility" xmlns:p14="http://schemas.microsoft.com/office/powerpoint/2010/main" xmlns:p15="http://schemas.microsoft.com/office/powerpoint/2012/main">
   <p:cSld>
     <p:spTree>
       <p:nvGrpSpPr>
-        <p:cNvPr id="90" name="Shape 90"/>
+        <p:cNvPr id="103" name="Shape 103"/>
         <p:cNvGrpSpPr/>
         <p:nvPr/>
       </p:nvGrpSpPr>
@@ -8065,7 +8874,7 @@
       </p:grpSpPr>
       <p:sp>
         <p:nvSpPr>
-          <p:cNvPr id="91" name="Google Shape;91;p18"/>
+          <p:cNvPr id="104" name="Google Shape;104;p19"/>
           <p:cNvSpPr txBox="1"/>
           <p:nvPr>
             <p:ph type="title"/>
@@ -8136,7 +8945,7 @@
       </p:sp>
       <p:sp>
         <p:nvSpPr>
-          <p:cNvPr id="92" name="Google Shape;92;p18"/>
+          <p:cNvPr id="105" name="Google Shape;105;p19"/>
           <p:cNvSpPr txBox="1"/>
           <p:nvPr>
             <p:ph idx="2" type="body"/>
@@ -8192,7 +9001,7 @@
       </p:sp>
       <p:pic>
         <p:nvPicPr>
-          <p:cNvPr id="93" name="Google Shape;93;p18">
+          <p:cNvPr id="106" name="Google Shape;106;p19">
             <a:hlinkClick r:id="rId3"/>
           </p:cNvPr>
           <p:cNvPicPr preferRelativeResize="0"/>
@@ -8220,6 +9029,46 @@
           </a:ln>
         </p:spPr>
       </p:pic>
+      <p:sp>
+        <p:nvSpPr>
+          <p:cNvPr id="107" name="Google Shape;107;p19"/>
+          <p:cNvSpPr txBox="1"/>
+          <p:nvPr>
+            <p:ph idx="12" type="sldNum"/>
+          </p:nvPr>
+        </p:nvSpPr>
+        <p:spPr>
+          <a:xfrm>
+            <a:off x="8472458" y="4663217"/>
+            <a:ext cx="548700" cy="393600"/>
+          </a:xfrm>
+          <a:prstGeom prst="rect">
+            <a:avLst/>
+          </a:prstGeom>
+        </p:spPr>
+        <p:txBody>
+          <a:bodyPr anchorCtr="0" anchor="ctr" bIns="91425" lIns="91425" spcFirstLastPara="1" rIns="91425" wrap="square" tIns="91425">
+            <a:noAutofit/>
+          </a:bodyPr>
+          <a:lstStyle/>
+          <a:p>
+            <a:pPr indent="0" lvl="0" marL="0" rtl="0" algn="r">
+              <a:spcBef>
+                <a:spcPts val="0"/>
+              </a:spcBef>
+              <a:spcAft>
+                <a:spcPts val="0"/>
+              </a:spcAft>
+              <a:buNone/>
+            </a:pPr>
+            <a:fld id="{00000000-1234-1234-1234-123412341234}" type="slidenum">
+              <a:rPr lang="fr"/>
+              <a:t>‹#›</a:t>
+            </a:fld>
+            <a:endParaRPr/>
+          </a:p>
+        </p:txBody>
+      </p:sp>
     </p:spTree>
   </p:cSld>
   <p:clrMapOvr>
@@ -8228,12 +9077,12 @@
 </p:sld>
 </file>
 
-<file path=ppt/slides/slide7.xml><?xml version="1.0" encoding="utf-8"?>
+<file path=ppt/slides/slide8.xml><?xml version="1.0" encoding="utf-8"?>
 <p:sld xmlns:a="http://schemas.openxmlformats.org/drawingml/2006/main" xmlns:r="http://schemas.openxmlformats.org/officeDocument/2006/relationships" xmlns:mc="http://schemas.openxmlformats.org/markup-compatibility/2006" xmlns:mv="urn:schemas-microsoft-com:mac:vml" xmlns:p="http://schemas.openxmlformats.org/presentationml/2006/main" xmlns:c="http://schemas.openxmlformats.org/drawingml/2006/chart" xmlns:dgm="http://schemas.openxmlformats.org/drawingml/2006/diagram" xmlns:o="urn:schemas-microsoft-com:office:office" xmlns:v="urn:schemas-microsoft-com:vml" xmlns:pvml="urn:schemas-microsoft-com:office:powerpoint" xmlns:com="http://schemas.openxmlformats.org/drawingml/2006/compatibility" xmlns:p14="http://schemas.microsoft.com/office/powerpoint/2010/main" xmlns:p15="http://schemas.microsoft.com/office/powerpoint/2012/main">
   <p:cSld>
     <p:spTree>
       <p:nvGrpSpPr>
-        <p:cNvPr id="97" name="Shape 97"/>
+        <p:cNvPr id="111" name="Shape 111"/>
         <p:cNvGrpSpPr/>
         <p:nvPr/>
       </p:nvGrpSpPr>
@@ -8247,7 +9096,7 @@
       </p:grpSpPr>
       <p:sp>
         <p:nvSpPr>
-          <p:cNvPr id="98" name="Google Shape;98;p19"/>
+          <p:cNvPr id="112" name="Google Shape;112;p20"/>
           <p:cNvSpPr txBox="1"/>
           <p:nvPr>
             <p:ph type="title"/>
@@ -8318,7 +9167,7 @@
       </p:sp>
       <p:pic>
         <p:nvPicPr>
-          <p:cNvPr descr="Résultat de recherche d'images pour &quot;github&quot;" id="99" name="Google Shape;99;p19"/>
+          <p:cNvPr descr="Résultat de recherche d'images pour &quot;github&quot;" id="113" name="Google Shape;113;p20"/>
           <p:cNvPicPr preferRelativeResize="0"/>
           <p:nvPr/>
         </p:nvPicPr>
@@ -8346,7 +9195,7 @@
       </p:pic>
       <p:pic>
         <p:nvPicPr>
-          <p:cNvPr descr="Résultat de recherche d'images pour &quot;whatsapp&quot;" id="100" name="Google Shape;100;p19"/>
+          <p:cNvPr descr="Résultat de recherche d'images pour &quot;whatsapp&quot;" id="114" name="Google Shape;114;p20"/>
           <p:cNvPicPr preferRelativeResize="0"/>
           <p:nvPr/>
         </p:nvPicPr>
@@ -8374,7 +9223,7 @@
       </p:pic>
       <p:pic>
         <p:nvPicPr>
-          <p:cNvPr descr="Résultat de recherche d'images pour &quot;discord&quot;" id="101" name="Google Shape;101;p19"/>
+          <p:cNvPr descr="Résultat de recherche d'images pour &quot;discord&quot;" id="115" name="Google Shape;115;p20"/>
           <p:cNvPicPr preferRelativeResize="0"/>
           <p:nvPr/>
         </p:nvPicPr>
@@ -8402,7 +9251,7 @@
       </p:pic>
       <p:sp>
         <p:nvSpPr>
-          <p:cNvPr id="102" name="Google Shape;102;p19"/>
+          <p:cNvPr id="116" name="Google Shape;116;p20"/>
           <p:cNvSpPr txBox="1"/>
           <p:nvPr>
             <p:ph idx="2" type="body"/>
@@ -8632,6 +9481,46 @@
           </a:p>
         </p:txBody>
       </p:sp>
+      <p:sp>
+        <p:nvSpPr>
+          <p:cNvPr id="117" name="Google Shape;117;p20"/>
+          <p:cNvSpPr txBox="1"/>
+          <p:nvPr>
+            <p:ph idx="12" type="sldNum"/>
+          </p:nvPr>
+        </p:nvSpPr>
+        <p:spPr>
+          <a:xfrm>
+            <a:off x="8472458" y="4663217"/>
+            <a:ext cx="548700" cy="393600"/>
+          </a:xfrm>
+          <a:prstGeom prst="rect">
+            <a:avLst/>
+          </a:prstGeom>
+        </p:spPr>
+        <p:txBody>
+          <a:bodyPr anchorCtr="0" anchor="ctr" bIns="91425" lIns="91425" spcFirstLastPara="1" rIns="91425" wrap="square" tIns="91425">
+            <a:noAutofit/>
+          </a:bodyPr>
+          <a:lstStyle/>
+          <a:p>
+            <a:pPr indent="0" lvl="0" marL="0" rtl="0" algn="r">
+              <a:spcBef>
+                <a:spcPts val="0"/>
+              </a:spcBef>
+              <a:spcAft>
+                <a:spcPts val="0"/>
+              </a:spcAft>
+              <a:buNone/>
+            </a:pPr>
+            <a:fld id="{00000000-1234-1234-1234-123412341234}" type="slidenum">
+              <a:rPr lang="fr"/>
+              <a:t>‹#›</a:t>
+            </a:fld>
+            <a:endParaRPr/>
+          </a:p>
+        </p:txBody>
+      </p:sp>
     </p:spTree>
   </p:cSld>
   <p:clrMapOvr>
@@ -8640,12 +9529,12 @@
 </p:sld>
 </file>
 
-<file path=ppt/slides/slide8.xml><?xml version="1.0" encoding="utf-8"?>
+<file path=ppt/slides/slide9.xml><?xml version="1.0" encoding="utf-8"?>
 <p:sld xmlns:a="http://schemas.openxmlformats.org/drawingml/2006/main" xmlns:r="http://schemas.openxmlformats.org/officeDocument/2006/relationships" xmlns:mc="http://schemas.openxmlformats.org/markup-compatibility/2006" xmlns:mv="urn:schemas-microsoft-com:mac:vml" xmlns:p="http://schemas.openxmlformats.org/presentationml/2006/main" xmlns:c="http://schemas.openxmlformats.org/drawingml/2006/chart" xmlns:dgm="http://schemas.openxmlformats.org/drawingml/2006/diagram" xmlns:o="urn:schemas-microsoft-com:office:office" xmlns:v="urn:schemas-microsoft-com:vml" xmlns:pvml="urn:schemas-microsoft-com:office:powerpoint" xmlns:com="http://schemas.openxmlformats.org/drawingml/2006/compatibility" xmlns:p14="http://schemas.microsoft.com/office/powerpoint/2010/main" xmlns:p15="http://schemas.microsoft.com/office/powerpoint/2012/main">
   <p:cSld>
     <p:spTree>
       <p:nvGrpSpPr>
-        <p:cNvPr id="106" name="Shape 106"/>
+        <p:cNvPr id="121" name="Shape 121"/>
         <p:cNvGrpSpPr/>
         <p:nvPr/>
       </p:nvGrpSpPr>
@@ -8659,7 +9548,7 @@
       </p:grpSpPr>
       <p:sp>
         <p:nvSpPr>
-          <p:cNvPr id="107" name="Google Shape;107;p20"/>
+          <p:cNvPr id="122" name="Google Shape;122;p21"/>
           <p:cNvSpPr txBox="1"/>
           <p:nvPr>
             <p:ph type="title"/>
@@ -8699,7 +9588,7 @@
                 <a:cs typeface="Times New Roman"/>
                 <a:sym typeface="Times New Roman"/>
               </a:rPr>
-              <a:t>Planning : Tableau d’avancement</a:t>
+              <a:t>Travail réalisé</a:t>
             </a:r>
             <a:endParaRPr b="1" sz="3000">
               <a:solidFill>
@@ -8728,73 +9617,18 @@
           </a:p>
         </p:txBody>
       </p:sp>
-      <p:pic>
-        <p:nvPicPr>
-          <p:cNvPr id="108" name="Google Shape;108;p20">
-            <a:hlinkClick r:id="rId3"/>
-          </p:cNvPr>
-          <p:cNvPicPr preferRelativeResize="0"/>
-          <p:nvPr/>
-        </p:nvPicPr>
-        <p:blipFill>
-          <a:blip r:embed="rId4">
-            <a:alphaModFix/>
-          </a:blip>
-          <a:stretch>
-            <a:fillRect/>
-          </a:stretch>
-        </p:blipFill>
-        <p:spPr>
-          <a:xfrm>
-            <a:off x="152400" y="725100"/>
-            <a:ext cx="8839200" cy="4134465"/>
-          </a:xfrm>
-          <a:prstGeom prst="rect">
-            <a:avLst/>
-          </a:prstGeom>
-          <a:noFill/>
-          <a:ln>
-            <a:noFill/>
-          </a:ln>
-        </p:spPr>
-      </p:pic>
-    </p:spTree>
-  </p:cSld>
-  <p:clrMapOvr>
-    <a:masterClrMapping/>
-  </p:clrMapOvr>
-</p:sld>
-</file>
-
-<file path=ppt/slides/slide9.xml><?xml version="1.0" encoding="utf-8"?>
-<p:sld xmlns:a="http://schemas.openxmlformats.org/drawingml/2006/main" xmlns:r="http://schemas.openxmlformats.org/officeDocument/2006/relationships" xmlns:mc="http://schemas.openxmlformats.org/markup-compatibility/2006" xmlns:mv="urn:schemas-microsoft-com:mac:vml" xmlns:p="http://schemas.openxmlformats.org/presentationml/2006/main" xmlns:c="http://schemas.openxmlformats.org/drawingml/2006/chart" xmlns:dgm="http://schemas.openxmlformats.org/drawingml/2006/diagram" xmlns:o="urn:schemas-microsoft-com:office:office" xmlns:v="urn:schemas-microsoft-com:vml" xmlns:pvml="urn:schemas-microsoft-com:office:powerpoint" xmlns:com="http://schemas.openxmlformats.org/drawingml/2006/compatibility" xmlns:p14="http://schemas.microsoft.com/office/powerpoint/2010/main" xmlns:p15="http://schemas.microsoft.com/office/powerpoint/2012/main">
-  <p:cSld>
-    <p:spTree>
-      <p:nvGrpSpPr>
-        <p:cNvPr id="112" name="Shape 112"/>
-        <p:cNvGrpSpPr/>
-        <p:nvPr/>
-      </p:nvGrpSpPr>
-      <p:grpSpPr>
-        <a:xfrm>
-          <a:off x="0" y="0"/>
-          <a:ext cx="0" cy="0"/>
-          <a:chOff x="0" y="0"/>
-          <a:chExt cx="0" cy="0"/>
-        </a:xfrm>
-      </p:grpSpPr>
       <p:sp>
         <p:nvSpPr>
-          <p:cNvPr id="113" name="Google Shape;113;p21"/>
+          <p:cNvPr id="123" name="Google Shape;123;p21"/>
           <p:cNvSpPr txBox="1"/>
           <p:nvPr>
-            <p:ph type="title"/>
+            <p:ph idx="2" type="body"/>
           </p:nvPr>
         </p:nvSpPr>
         <p:spPr>
           <a:xfrm>
-            <a:off x="311700" y="0"/>
-            <a:ext cx="8520600" cy="572700"/>
+            <a:off x="1645800" y="1423650"/>
+            <a:ext cx="7005000" cy="2296200"/>
           </a:xfrm>
           <a:prstGeom prst="rect">
             <a:avLst/>
@@ -8806,30 +9640,269 @@
           </a:bodyPr>
           <a:lstStyle/>
           <a:p>
-            <a:pPr indent="0" lvl="0" marL="0" rtl="0" algn="ctr">
-              <a:spcBef>
-                <a:spcPts val="0"/>
-              </a:spcBef>
-              <a:spcAft>
-                <a:spcPts val="0"/>
-              </a:spcAft>
-              <a:buNone/>
+            <a:pPr indent="-342900" lvl="0" marL="457200" rtl="0" algn="l">
+              <a:spcBef>
+                <a:spcPts val="0"/>
+              </a:spcBef>
+              <a:spcAft>
+                <a:spcPts val="0"/>
+              </a:spcAft>
+              <a:buClr>
+                <a:srgbClr val="000000"/>
+              </a:buClr>
+              <a:buSzPts val="1800"/>
+              <a:buFont typeface="Times New Roman"/>
+              <a:buAutoNum type="arabicPeriod"/>
             </a:pPr>
             <a:r>
-              <a:rPr b="1" lang="fr" sz="3000">
+              <a:rPr b="1" lang="fr" sz="1800">
                 <a:solidFill>
-                  <a:srgbClr val="09A79E"/>
+                  <a:srgbClr val="000000"/>
                 </a:solidFill>
                 <a:latin typeface="Times New Roman"/>
                 <a:ea typeface="Times New Roman"/>
                 <a:cs typeface="Times New Roman"/>
                 <a:sym typeface="Times New Roman"/>
               </a:rPr>
-              <a:t>Planning : Indicateur d’avancement</a:t>
+              <a:t>Création d’une base de données de test</a:t>
             </a:r>
-            <a:endParaRPr b="1" sz="3000">
+            <a:endParaRPr b="1" sz="1800">
               <a:solidFill>
-                <a:srgbClr val="09A79E"/>
+                <a:srgbClr val="000000"/>
+              </a:solidFill>
+              <a:latin typeface="Times New Roman"/>
+              <a:ea typeface="Times New Roman"/>
+              <a:cs typeface="Times New Roman"/>
+              <a:sym typeface="Times New Roman"/>
+            </a:endParaRPr>
+          </a:p>
+          <a:p>
+            <a:pPr indent="-342900" lvl="0" marL="457200" rtl="0" algn="l">
+              <a:spcBef>
+                <a:spcPts val="0"/>
+              </a:spcBef>
+              <a:spcAft>
+                <a:spcPts val="0"/>
+              </a:spcAft>
+              <a:buClr>
+                <a:srgbClr val="000000"/>
+              </a:buClr>
+              <a:buSzPts val="1800"/>
+              <a:buFont typeface="Times New Roman"/>
+              <a:buAutoNum type="arabicPeriod"/>
+            </a:pPr>
+            <a:r>
+              <a:rPr b="1" lang="fr" sz="1800">
+                <a:solidFill>
+                  <a:srgbClr val="000000"/>
+                </a:solidFill>
+                <a:latin typeface="Times New Roman"/>
+                <a:ea typeface="Times New Roman"/>
+                <a:cs typeface="Times New Roman"/>
+                <a:sym typeface="Times New Roman"/>
+              </a:rPr>
+              <a:t>Initialisation de la map avec animation</a:t>
+            </a:r>
+            <a:endParaRPr b="1" sz="1800">
+              <a:solidFill>
+                <a:srgbClr val="000000"/>
+              </a:solidFill>
+              <a:latin typeface="Times New Roman"/>
+              <a:ea typeface="Times New Roman"/>
+              <a:cs typeface="Times New Roman"/>
+              <a:sym typeface="Times New Roman"/>
+            </a:endParaRPr>
+          </a:p>
+          <a:p>
+            <a:pPr indent="-342900" lvl="0" marL="457200" rtl="0" algn="l">
+              <a:spcBef>
+                <a:spcPts val="0"/>
+              </a:spcBef>
+              <a:spcAft>
+                <a:spcPts val="0"/>
+              </a:spcAft>
+              <a:buClr>
+                <a:srgbClr val="000000"/>
+              </a:buClr>
+              <a:buSzPts val="1800"/>
+              <a:buFont typeface="Times New Roman"/>
+              <a:buAutoNum type="arabicPeriod"/>
+            </a:pPr>
+            <a:r>
+              <a:rPr b="1" lang="fr" sz="1800">
+                <a:solidFill>
+                  <a:srgbClr val="000000"/>
+                </a:solidFill>
+                <a:latin typeface="Times New Roman"/>
+                <a:ea typeface="Times New Roman"/>
+                <a:cs typeface="Times New Roman"/>
+                <a:sym typeface="Times New Roman"/>
+              </a:rPr>
+              <a:t>Implémentation des 4 points cardinaux</a:t>
+            </a:r>
+            <a:r>
+              <a:rPr b="1" lang="fr" sz="1800">
+                <a:solidFill>
+                  <a:srgbClr val="000000"/>
+                </a:solidFill>
+                <a:latin typeface="Times New Roman"/>
+                <a:ea typeface="Times New Roman"/>
+                <a:cs typeface="Times New Roman"/>
+                <a:sym typeface="Times New Roman"/>
+              </a:rPr>
+              <a:t> </a:t>
+            </a:r>
+            <a:endParaRPr b="1" sz="1800">
+              <a:solidFill>
+                <a:srgbClr val="000000"/>
+              </a:solidFill>
+              <a:latin typeface="Times New Roman"/>
+              <a:ea typeface="Times New Roman"/>
+              <a:cs typeface="Times New Roman"/>
+              <a:sym typeface="Times New Roman"/>
+            </a:endParaRPr>
+          </a:p>
+          <a:p>
+            <a:pPr indent="-342900" lvl="0" marL="457200" rtl="0" algn="l">
+              <a:spcBef>
+                <a:spcPts val="0"/>
+              </a:spcBef>
+              <a:spcAft>
+                <a:spcPts val="0"/>
+              </a:spcAft>
+              <a:buClr>
+                <a:srgbClr val="000000"/>
+              </a:buClr>
+              <a:buSzPts val="1800"/>
+              <a:buFont typeface="Times New Roman"/>
+              <a:buAutoNum type="arabicPeriod"/>
+            </a:pPr>
+            <a:r>
+              <a:rPr b="1" lang="fr" sz="1800">
+                <a:solidFill>
+                  <a:srgbClr val="000000"/>
+                </a:solidFill>
+                <a:latin typeface="Times New Roman"/>
+                <a:ea typeface="Times New Roman"/>
+                <a:cs typeface="Times New Roman"/>
+                <a:sym typeface="Times New Roman"/>
+              </a:rPr>
+              <a:t>Utilisation de plugins de Folium (Fullscreen / Bouton / Location)</a:t>
+            </a:r>
+            <a:endParaRPr b="1" sz="1800">
+              <a:solidFill>
+                <a:srgbClr val="000000"/>
+              </a:solidFill>
+              <a:latin typeface="Times New Roman"/>
+              <a:ea typeface="Times New Roman"/>
+              <a:cs typeface="Times New Roman"/>
+              <a:sym typeface="Times New Roman"/>
+            </a:endParaRPr>
+          </a:p>
+          <a:p>
+            <a:pPr indent="-342900" lvl="0" marL="457200" rtl="0" algn="l">
+              <a:spcBef>
+                <a:spcPts val="0"/>
+              </a:spcBef>
+              <a:spcAft>
+                <a:spcPts val="0"/>
+              </a:spcAft>
+              <a:buClr>
+                <a:srgbClr val="000000"/>
+              </a:buClr>
+              <a:buSzPts val="1800"/>
+              <a:buFont typeface="Times New Roman"/>
+              <a:buAutoNum type="arabicPeriod"/>
+            </a:pPr>
+            <a:r>
+              <a:rPr b="1" lang="fr" sz="1800">
+                <a:solidFill>
+                  <a:srgbClr val="000000"/>
+                </a:solidFill>
+                <a:latin typeface="Times New Roman"/>
+                <a:ea typeface="Times New Roman"/>
+                <a:cs typeface="Times New Roman"/>
+                <a:sym typeface="Times New Roman"/>
+              </a:rPr>
+              <a:t>Implémentation boutons Garini / Garitoo / Match</a:t>
+            </a:r>
+            <a:endParaRPr b="1" sz="1800">
+              <a:solidFill>
+                <a:srgbClr val="000000"/>
+              </a:solidFill>
+              <a:latin typeface="Times New Roman"/>
+              <a:ea typeface="Times New Roman"/>
+              <a:cs typeface="Times New Roman"/>
+              <a:sym typeface="Times New Roman"/>
+            </a:endParaRPr>
+          </a:p>
+          <a:p>
+            <a:pPr indent="-342900" lvl="0" marL="457200" rtl="0" algn="l">
+              <a:spcBef>
+                <a:spcPts val="0"/>
+              </a:spcBef>
+              <a:spcAft>
+                <a:spcPts val="0"/>
+              </a:spcAft>
+              <a:buClr>
+                <a:srgbClr val="000000"/>
+              </a:buClr>
+              <a:buSzPts val="1800"/>
+              <a:buFont typeface="Times New Roman"/>
+              <a:buAutoNum type="arabicPeriod"/>
+            </a:pPr>
+            <a:r>
+              <a:rPr b="1" lang="fr" sz="1800">
+                <a:solidFill>
+                  <a:schemeClr val="dk1"/>
+                </a:solidFill>
+                <a:latin typeface="Times New Roman"/>
+                <a:ea typeface="Times New Roman"/>
+                <a:cs typeface="Times New Roman"/>
+                <a:sym typeface="Times New Roman"/>
+              </a:rPr>
+              <a:t>Implémentation caractéristique voiture</a:t>
+            </a:r>
+            <a:endParaRPr b="1" sz="1800">
+              <a:solidFill>
+                <a:schemeClr val="dk1"/>
+              </a:solidFill>
+              <a:latin typeface="Times New Roman"/>
+              <a:ea typeface="Times New Roman"/>
+              <a:cs typeface="Times New Roman"/>
+              <a:sym typeface="Times New Roman"/>
+            </a:endParaRPr>
+          </a:p>
+          <a:p>
+            <a:pPr indent="-342900" lvl="0" marL="457200" rtl="0" algn="l">
+              <a:spcBef>
+                <a:spcPts val="0"/>
+              </a:spcBef>
+              <a:spcAft>
+                <a:spcPts val="0"/>
+              </a:spcAft>
+              <a:buClr>
+                <a:srgbClr val="000000"/>
+              </a:buClr>
+              <a:buSzPts val="1800"/>
+              <a:buFont typeface="Times New Roman"/>
+              <a:buAutoNum type="arabicPeriod"/>
+            </a:pPr>
+            <a:r>
+              <a:rPr b="1" lang="fr" sz="1800">
+                <a:solidFill>
+                  <a:srgbClr val="000000"/>
+                </a:solidFill>
+                <a:latin typeface="Times New Roman"/>
+                <a:ea typeface="Times New Roman"/>
+                <a:cs typeface="Times New Roman"/>
+                <a:sym typeface="Times New Roman"/>
+              </a:rPr>
+              <a:t>Tests méthodes implémentées</a:t>
+            </a:r>
+            <a:endParaRPr b="1" sz="1800">
+              <a:solidFill>
+                <a:srgbClr val="000000"/>
               </a:solidFill>
               <a:latin typeface="Times New Roman"/>
               <a:ea typeface="Times New Roman"/>
@@ -8840,48 +9913,68 @@
           <a:p>
             <a:pPr indent="0" lvl="0" marL="0" rtl="0" algn="l">
               <a:spcBef>
-                <a:spcPts val="0"/>
-              </a:spcBef>
-              <a:spcAft>
-                <a:spcPts val="0"/>
+                <a:spcPts val="1600"/>
+              </a:spcBef>
+              <a:spcAft>
+                <a:spcPts val="1600"/>
               </a:spcAft>
               <a:buNone/>
             </a:pPr>
             <a:r>
               <a:t/>
             </a:r>
+            <a:endParaRPr b="1" sz="1800">
+              <a:solidFill>
+                <a:srgbClr val="000000"/>
+              </a:solidFill>
+              <a:latin typeface="Times New Roman"/>
+              <a:ea typeface="Times New Roman"/>
+              <a:cs typeface="Times New Roman"/>
+              <a:sym typeface="Times New Roman"/>
+            </a:endParaRPr>
+          </a:p>
+        </p:txBody>
+      </p:sp>
+      <p:sp>
+        <p:nvSpPr>
+          <p:cNvPr id="124" name="Google Shape;124;p21"/>
+          <p:cNvSpPr txBox="1"/>
+          <p:nvPr>
+            <p:ph idx="12" type="sldNum"/>
+          </p:nvPr>
+        </p:nvSpPr>
+        <p:spPr>
+          <a:xfrm>
+            <a:off x="8472458" y="4663217"/>
+            <a:ext cx="548700" cy="393600"/>
+          </a:xfrm>
+          <a:prstGeom prst="rect">
+            <a:avLst/>
+          </a:prstGeom>
+        </p:spPr>
+        <p:txBody>
+          <a:bodyPr anchorCtr="0" anchor="ctr" bIns="91425" lIns="91425" spcFirstLastPara="1" rIns="91425" wrap="square" tIns="91425">
+            <a:noAutofit/>
+          </a:bodyPr>
+          <a:lstStyle/>
+          <a:p>
+            <a:pPr indent="0" lvl="0" marL="0" rtl="0" algn="r">
+              <a:spcBef>
+                <a:spcPts val="0"/>
+              </a:spcBef>
+              <a:spcAft>
+                <a:spcPts val="0"/>
+              </a:spcAft>
+              <a:buNone/>
+            </a:pPr>
+            <a:fld id="{00000000-1234-1234-1234-123412341234}" type="slidenum">
+              <a:rPr lang="fr"/>
+              <a:t>‹#›</a:t>
+            </a:fld>
             <a:endParaRPr/>
           </a:p>
         </p:txBody>
       </p:sp>
-      <p:pic>
-        <p:nvPicPr>
-          <p:cNvPr id="114" name="Google Shape;114;p21"/>
-          <p:cNvPicPr preferRelativeResize="0"/>
-          <p:nvPr/>
-        </p:nvPicPr>
-        <p:blipFill>
-          <a:blip r:embed="rId3">
-            <a:alphaModFix/>
-          </a:blip>
-          <a:stretch>
-            <a:fillRect/>
-          </a:stretch>
-        </p:blipFill>
-        <p:spPr>
-          <a:xfrm>
-            <a:off x="865150" y="572688"/>
-            <a:ext cx="7413675" cy="4179725"/>
-          </a:xfrm>
-          <a:prstGeom prst="rect">
-            <a:avLst/>
-          </a:prstGeom>
-          <a:noFill/>
-          <a:ln>
-            <a:noFill/>
-          </a:ln>
-        </p:spPr>
-      </p:pic>
     </p:spTree>
   </p:cSld>
   <p:clrMapOvr>
